--- a/Disaster_Tweets_Presentation.pptx
+++ b/Disaster_Tweets_Presentation.pptx
@@ -19421,6 +19421,78 @@
           </a:p>
         </p:txBody>
       </p:sp>
+      <p:pic>
+        <p:nvPicPr>
+          <p:cNvPr id="3" name="Picture 2"/>
+          <p:cNvPicPr>
+            <a:picLocks noChangeAspect="1"/>
+          </p:cNvPicPr>
+          <p:nvPr/>
+        </p:nvPicPr>
+        <p:blipFill>
+          <a:blip r:embed="rId2"/>
+          <a:stretch>
+            <a:fillRect/>
+          </a:stretch>
+        </p:blipFill>
+        <p:spPr>
+          <a:xfrm>
+            <a:off x="913593" y="1929179"/>
+            <a:ext cx="4762500" cy="1609725"/>
+          </a:xfrm>
+          <a:prstGeom prst="rect">
+            <a:avLst/>
+          </a:prstGeom>
+        </p:spPr>
+      </p:pic>
+      <p:pic>
+        <p:nvPicPr>
+          <p:cNvPr id="4" name="Picture 3"/>
+          <p:cNvPicPr>
+            <a:picLocks noChangeAspect="1"/>
+          </p:cNvPicPr>
+          <p:nvPr/>
+        </p:nvPicPr>
+        <p:blipFill>
+          <a:blip r:embed="rId3"/>
+          <a:stretch>
+            <a:fillRect/>
+          </a:stretch>
+        </p:blipFill>
+        <p:spPr>
+          <a:xfrm>
+            <a:off x="913593" y="3538904"/>
+            <a:ext cx="4800600" cy="2686050"/>
+          </a:xfrm>
+          <a:prstGeom prst="rect">
+            <a:avLst/>
+          </a:prstGeom>
+        </p:spPr>
+      </p:pic>
+      <p:pic>
+        <p:nvPicPr>
+          <p:cNvPr id="5" name="Picture 4"/>
+          <p:cNvPicPr>
+            <a:picLocks noChangeAspect="1"/>
+          </p:cNvPicPr>
+          <p:nvPr/>
+        </p:nvPicPr>
+        <p:blipFill>
+          <a:blip r:embed="rId4"/>
+          <a:stretch>
+            <a:fillRect/>
+          </a:stretch>
+        </p:blipFill>
+        <p:spPr>
+          <a:xfrm>
+            <a:off x="5676093" y="1929179"/>
+            <a:ext cx="5676900" cy="1676400"/>
+          </a:xfrm>
+          <a:prstGeom prst="rect">
+            <a:avLst/>
+          </a:prstGeom>
+        </p:spPr>
+      </p:pic>
     </p:spTree>
     <p:extLst>
       <p:ext uri="{BB962C8B-B14F-4D97-AF65-F5344CB8AC3E}">
@@ -19790,15 +19862,7 @@
             </a:pPr>
             <a:r>
               <a:rPr lang="en-US" sz="3200" dirty="0" smtClean="0"/>
-              <a:t>Disasters encompasses </a:t>
-            </a:r>
-            <a:r>
-              <a:rPr lang="en-US" sz="3200" smtClean="0"/>
-              <a:t>non-natural occurrences </a:t>
-            </a:r>
-            <a:r>
-              <a:rPr lang="en-US" sz="3200" dirty="0" smtClean="0"/>
-              <a:t>as well</a:t>
+              <a:t>Disasters encompasses non-natural occurrences as well</a:t>
             </a:r>
             <a:endParaRPr sz="2000" dirty="0"/>
           </a:p>
@@ -19819,7 +19883,7 @@
         </p:blipFill>
         <p:spPr>
           <a:xfrm>
-            <a:off x="745596" y="4530097"/>
+            <a:off x="1783089" y="4530097"/>
             <a:ext cx="2209800" cy="914400"/>
           </a:xfrm>
           <a:prstGeom prst="rect">
@@ -19853,8 +19917,68 @@
         </p:blipFill>
         <p:spPr>
           <a:xfrm>
-            <a:off x="5099034" y="4034797"/>
+            <a:off x="1850496" y="3120397"/>
             <a:ext cx="1943100" cy="1409700"/>
+          </a:xfrm>
+          <a:prstGeom prst="rect">
+            <a:avLst/>
+          </a:prstGeom>
+        </p:spPr>
+      </p:pic>
+      <p:pic>
+        <p:nvPicPr>
+          <p:cNvPr id="3" name="Picture 2"/>
+          <p:cNvPicPr>
+            <a:picLocks noChangeAspect="1"/>
+          </p:cNvPicPr>
+          <p:nvPr/>
+        </p:nvPicPr>
+        <p:blipFill>
+          <a:blip r:embed="rId6">
+            <a:extLst>
+              <a:ext uri="{28A0092B-C50C-407E-A947-70E740481C1C}">
+                <a14:useLocalDpi xmlns:a14="http://schemas.microsoft.com/office/drawing/2010/main" val="0"/>
+              </a:ext>
+            </a:extLst>
+          </a:blip>
+          <a:stretch>
+            <a:fillRect/>
+          </a:stretch>
+        </p:blipFill>
+        <p:spPr>
+          <a:xfrm>
+            <a:off x="4422531" y="3120397"/>
+            <a:ext cx="3781569" cy="2857866"/>
+          </a:xfrm>
+          <a:prstGeom prst="rect">
+            <a:avLst/>
+          </a:prstGeom>
+        </p:spPr>
+      </p:pic>
+      <p:pic>
+        <p:nvPicPr>
+          <p:cNvPr id="4" name="Picture 3"/>
+          <p:cNvPicPr>
+            <a:picLocks noChangeAspect="1"/>
+          </p:cNvPicPr>
+          <p:nvPr/>
+        </p:nvPicPr>
+        <p:blipFill>
+          <a:blip r:embed="rId7">
+            <a:extLst>
+              <a:ext uri="{28A0092B-C50C-407E-A947-70E740481C1C}">
+                <a14:useLocalDpi xmlns:a14="http://schemas.microsoft.com/office/drawing/2010/main" val="0"/>
+              </a:ext>
+            </a:extLst>
+          </a:blip>
+          <a:stretch>
+            <a:fillRect/>
+          </a:stretch>
+        </p:blipFill>
+        <p:spPr>
+          <a:xfrm>
+            <a:off x="8833035" y="2941840"/>
+            <a:ext cx="1832034" cy="3794045"/>
           </a:xfrm>
           <a:prstGeom prst="rect">
             <a:avLst/>
@@ -20279,7 +20403,7 @@
             </a:pPr>
             <a:r>
               <a:rPr lang="en-US" sz="3200" dirty="0" smtClean="0"/>
-              <a:t>Naïve Bayes was our most successful model with a 77.24% accuracy</a:t>
+              <a:t>Naïve Bayes was our most successful model with a 77.41% accuracy</a:t>
             </a:r>
           </a:p>
           <a:p>

--- a/Disaster_Tweets_Presentation.pptx
+++ b/Disaster_Tweets_Presentation.pptx
@@ -5,7 +5,7 @@
     <p:sldMasterId id="2147483648" r:id="rId1"/>
   </p:sldMasterIdLst>
   <p:notesMasterIdLst>
-    <p:notesMasterId r:id="rId15"/>
+    <p:notesMasterId r:id="rId16"/>
   </p:notesMasterIdLst>
   <p:sldIdLst>
     <p:sldId id="256" r:id="rId2"/>
@@ -20,17 +20,18 @@
     <p:sldId id="267" r:id="rId11"/>
     <p:sldId id="268" r:id="rId12"/>
     <p:sldId id="269" r:id="rId13"/>
-    <p:sldId id="263" r:id="rId14"/>
+    <p:sldId id="270" r:id="rId14"/>
+    <p:sldId id="263" r:id="rId15"/>
   </p:sldIdLst>
   <p:sldSz cx="12192000" cy="6858000"/>
   <p:notesSz cx="6858000" cy="9144000"/>
   <p:embeddedFontLst>
     <p:embeddedFont>
       <p:font typeface="Century Gothic" panose="020B0502020202020204" pitchFamily="34" charset="0"/>
-      <p:regular r:id="rId16"/>
-      <p:bold r:id="rId17"/>
-      <p:italic r:id="rId18"/>
-      <p:boldItalic r:id="rId19"/>
+      <p:regular r:id="rId17"/>
+      <p:bold r:id="rId18"/>
+      <p:italic r:id="rId19"/>
+      <p:boldItalic r:id="rId20"/>
     </p:embeddedFont>
   </p:embeddedFontLst>
   <p:defaultTextStyle>
@@ -267,7 +268,7 @@
       <p15:sldGuideLst xmlns:p15="http://schemas.microsoft.com/office/powerpoint/2012/main"/>
     </p:ext>
     <p:ext uri="http://customooxmlschemas.google.com/">
-      <go:slidesCustomData xmlns:go="http://customooxmlschemas.google.com/" xmlns:p15="http://schemas.microsoft.com/office/powerpoint/2012/main" xmlns:p14="http://schemas.microsoft.com/office/powerpoint/2010/main" xmlns:com="http://schemas.openxmlformats.org/drawingml/2006/compatibility" xmlns:pvml="urn:schemas-microsoft-com:office:powerpoint" xmlns:v="urn:schemas-microsoft-com:vml" xmlns:o="urn:schemas-microsoft-com:office:office" xmlns:dgm="http://schemas.openxmlformats.org/drawingml/2006/diagram" xmlns:c="http://schemas.openxmlformats.org/drawingml/2006/chart" xmlns:mv="urn:schemas-microsoft-com:mac:vml" xmlns:mc="http://schemas.openxmlformats.org/markup-compatibility/2006" xmlns="" r:id="rId20" roundtripDataSignature="AMtx7mhfMKx4VC3dTc4bYI6Rs20dTo4n9A=="/>
+      <go:slidesCustomData xmlns="" xmlns:mc="http://schemas.openxmlformats.org/markup-compatibility/2006" xmlns:mv="urn:schemas-microsoft-com:mac:vml" xmlns:c="http://schemas.openxmlformats.org/drawingml/2006/chart" xmlns:dgm="http://schemas.openxmlformats.org/drawingml/2006/diagram" xmlns:o="urn:schemas-microsoft-com:office:office" xmlns:v="urn:schemas-microsoft-com:vml" xmlns:pvml="urn:schemas-microsoft-com:office:powerpoint" xmlns:com="http://schemas.openxmlformats.org/drawingml/2006/compatibility" xmlns:p14="http://schemas.microsoft.com/office/powerpoint/2010/main" xmlns:p15="http://schemas.microsoft.com/office/powerpoint/2012/main" xmlns:go="http://customooxmlschemas.google.com/" r:id="rId21" roundtripDataSignature="AMtx7mhfMKx4VC3dTc4bYI6Rs20dTo4n9A=="/>
     </p:ext>
   </p:extLst>
 </p:presentation>
@@ -19545,6 +19546,74 @@
           <a:bodyPr/>
           <a:lstStyle/>
           <a:p>
+            <a:endParaRPr lang="en-US" b="1" dirty="0"/>
+          </a:p>
+        </p:txBody>
+      </p:sp>
+      <p:sp>
+        <p:nvSpPr>
+          <p:cNvPr id="3" name="Text Placeholder 2"/>
+          <p:cNvSpPr>
+            <a:spLocks noGrp="1"/>
+          </p:cNvSpPr>
+          <p:nvPr>
+            <p:ph type="body" idx="1"/>
+          </p:nvPr>
+        </p:nvSpPr>
+        <p:spPr/>
+        <p:txBody>
+          <a:bodyPr/>
+          <a:lstStyle/>
+          <a:p>
+            <a:endParaRPr lang="en-US"/>
+          </a:p>
+        </p:txBody>
+      </p:sp>
+    </p:spTree>
+    <p:extLst>
+      <p:ext uri="{BB962C8B-B14F-4D97-AF65-F5344CB8AC3E}">
+        <p14:creationId xmlns:p14="http://schemas.microsoft.com/office/powerpoint/2010/main" val="3970099078"/>
+      </p:ext>
+    </p:extLst>
+  </p:cSld>
+  <p:clrMapOvr>
+    <a:masterClrMapping/>
+  </p:clrMapOvr>
+</p:sld>
+</file>
+
+<file path=ppt/slides/slide14.xml><?xml version="1.0" encoding="utf-8"?>
+<p:sld xmlns:a="http://schemas.openxmlformats.org/drawingml/2006/main" xmlns:r="http://schemas.openxmlformats.org/officeDocument/2006/relationships" xmlns:p="http://schemas.openxmlformats.org/presentationml/2006/main">
+  <p:cSld>
+    <p:spTree>
+      <p:nvGrpSpPr>
+        <p:cNvPr id="1" name=""/>
+        <p:cNvGrpSpPr/>
+        <p:nvPr/>
+      </p:nvGrpSpPr>
+      <p:grpSpPr>
+        <a:xfrm>
+          <a:off x="0" y="0"/>
+          <a:ext cx="0" cy="0"/>
+          <a:chOff x="0" y="0"/>
+          <a:chExt cx="0" cy="0"/>
+        </a:xfrm>
+      </p:grpSpPr>
+      <p:sp>
+        <p:nvSpPr>
+          <p:cNvPr id="2" name="Title 1"/>
+          <p:cNvSpPr>
+            <a:spLocks noGrp="1"/>
+          </p:cNvSpPr>
+          <p:nvPr>
+            <p:ph type="title"/>
+          </p:nvPr>
+        </p:nvSpPr>
+        <p:spPr/>
+        <p:txBody>
+          <a:bodyPr/>
+          <a:lstStyle/>
+          <a:p>
             <a:r>
               <a:rPr lang="en-US" b="1" dirty="0" smtClean="0"/>
               <a:t>Questions?</a:t>

--- a/Disaster_Tweets_Presentation.pptx
+++ b/Disaster_Tweets_Presentation.pptx
@@ -268,7 +268,7 @@
       <p15:sldGuideLst xmlns:p15="http://schemas.microsoft.com/office/powerpoint/2012/main"/>
     </p:ext>
     <p:ext uri="http://customooxmlschemas.google.com/">
-      <go:slidesCustomData xmlns="" xmlns:mc="http://schemas.openxmlformats.org/markup-compatibility/2006" xmlns:mv="urn:schemas-microsoft-com:mac:vml" xmlns:c="http://schemas.openxmlformats.org/drawingml/2006/chart" xmlns:dgm="http://schemas.openxmlformats.org/drawingml/2006/diagram" xmlns:o="urn:schemas-microsoft-com:office:office" xmlns:v="urn:schemas-microsoft-com:vml" xmlns:pvml="urn:schemas-microsoft-com:office:powerpoint" xmlns:com="http://schemas.openxmlformats.org/drawingml/2006/compatibility" xmlns:p14="http://schemas.microsoft.com/office/powerpoint/2010/main" xmlns:p15="http://schemas.microsoft.com/office/powerpoint/2012/main" xmlns:go="http://customooxmlschemas.google.com/" r:id="rId21" roundtripDataSignature="AMtx7mhfMKx4VC3dTc4bYI6Rs20dTo4n9A=="/>
+      <go:slidesCustomData xmlns:go="http://customooxmlschemas.google.com/" xmlns:p15="http://schemas.microsoft.com/office/powerpoint/2012/main" xmlns:p14="http://schemas.microsoft.com/office/powerpoint/2010/main" xmlns:com="http://schemas.openxmlformats.org/drawingml/2006/compatibility" xmlns:pvml="urn:schemas-microsoft-com:office:powerpoint" xmlns:v="urn:schemas-microsoft-com:vml" xmlns:o="urn:schemas-microsoft-com:office:office" xmlns:dgm="http://schemas.openxmlformats.org/drawingml/2006/diagram" xmlns:c="http://schemas.openxmlformats.org/drawingml/2006/chart" xmlns:mv="urn:schemas-microsoft-com:mac:vml" xmlns:mc="http://schemas.openxmlformats.org/markup-compatibility/2006" xmlns="" r:id="rId21" roundtripDataSignature="AMtx7mhfMKx4VC3dTc4bYI6Rs20dTo4n9A=="/>
     </p:ext>
   </p:extLst>
 </p:presentation>
@@ -19194,7 +19194,7 @@
       </p:sp>
       <p:pic>
         <p:nvPicPr>
-          <p:cNvPr id="3" name="Picture 2"/>
+          <p:cNvPr id="4" name="Picture 3"/>
           <p:cNvPicPr>
             <a:picLocks noChangeAspect="1"/>
           </p:cNvPicPr>
@@ -19202,30 +19202,6 @@
         </p:nvPicPr>
         <p:blipFill>
           <a:blip r:embed="rId2"/>
-          <a:stretch>
-            <a:fillRect/>
-          </a:stretch>
-        </p:blipFill>
-        <p:spPr>
-          <a:xfrm>
-            <a:off x="2592924" y="1905000"/>
-            <a:ext cx="8143875" cy="2143125"/>
-          </a:xfrm>
-          <a:prstGeom prst="rect">
-            <a:avLst/>
-          </a:prstGeom>
-        </p:spPr>
-      </p:pic>
-      <p:pic>
-        <p:nvPicPr>
-          <p:cNvPr id="4" name="Picture 3"/>
-          <p:cNvPicPr>
-            <a:picLocks noChangeAspect="1"/>
-          </p:cNvPicPr>
-          <p:nvPr/>
-        </p:nvPicPr>
-        <p:blipFill>
-          <a:blip r:embed="rId3"/>
           <a:stretch>
             <a:fillRect/>
           </a:stretch>
@@ -19249,7 +19225,7 @@
           <p:nvPr/>
         </p:nvPicPr>
         <p:blipFill>
-          <a:blip r:embed="rId4"/>
+          <a:blip r:embed="rId3"/>
           <a:stretch>
             <a:fillRect/>
           </a:stretch>
@@ -19258,6 +19234,30 @@
           <a:xfrm>
             <a:off x="158262" y="5238750"/>
             <a:ext cx="12033738" cy="647700"/>
+          </a:xfrm>
+          <a:prstGeom prst="rect">
+            <a:avLst/>
+          </a:prstGeom>
+        </p:spPr>
+      </p:pic>
+      <p:pic>
+        <p:nvPicPr>
+          <p:cNvPr id="6" name="Picture 5"/>
+          <p:cNvPicPr>
+            <a:picLocks noChangeAspect="1"/>
+          </p:cNvPicPr>
+          <p:nvPr/>
+        </p:nvPicPr>
+        <p:blipFill>
+          <a:blip r:embed="rId4"/>
+          <a:stretch>
+            <a:fillRect/>
+          </a:stretch>
+        </p:blipFill>
+        <p:spPr>
+          <a:xfrm>
+            <a:off x="2592924" y="1905000"/>
+            <a:ext cx="8277947" cy="2143125"/>
           </a:xfrm>
           <a:prstGeom prst="rect">
             <a:avLst/>
@@ -19472,7 +19472,7 @@
       </p:pic>
       <p:pic>
         <p:nvPicPr>
-          <p:cNvPr id="5" name="Picture 4"/>
+          <p:cNvPr id="7" name="Picture 6"/>
           <p:cNvPicPr>
             <a:picLocks noChangeAspect="1"/>
           </p:cNvPicPr>
@@ -19486,8 +19486,8 @@
         </p:blipFill>
         <p:spPr>
           <a:xfrm>
-            <a:off x="5676093" y="1929179"/>
-            <a:ext cx="5676900" cy="1676400"/>
+            <a:off x="5676092" y="1929179"/>
+            <a:ext cx="6492799" cy="1950094"/>
           </a:xfrm>
           <a:prstGeom prst="rect">
             <a:avLst/>

--- a/Disaster_Tweets_Presentation.pptx
+++ b/Disaster_Tweets_Presentation.pptx
@@ -19242,7 +19242,7 @@
       </p:pic>
       <p:pic>
         <p:nvPicPr>
-          <p:cNvPr id="6" name="Picture 5"/>
+          <p:cNvPr id="7" name="Picture 6"/>
           <p:cNvPicPr>
             <a:picLocks noChangeAspect="1"/>
           </p:cNvPicPr>
@@ -19256,8 +19256,8 @@
         </p:blipFill>
         <p:spPr>
           <a:xfrm>
-            <a:off x="2592924" y="1905000"/>
-            <a:ext cx="8277947" cy="2143125"/>
+            <a:off x="2592923" y="1990725"/>
+            <a:ext cx="7604021" cy="2068600"/>
           </a:xfrm>
           <a:prstGeom prst="rect">
             <a:avLst/>
@@ -19472,7 +19472,7 @@
       </p:pic>
       <p:pic>
         <p:nvPicPr>
-          <p:cNvPr id="7" name="Picture 6"/>
+          <p:cNvPr id="8" name="Picture 7"/>
           <p:cNvPicPr>
             <a:picLocks noChangeAspect="1"/>
           </p:cNvPicPr>
@@ -19486,8 +19486,8 @@
         </p:blipFill>
         <p:spPr>
           <a:xfrm>
-            <a:off x="5676092" y="1929179"/>
-            <a:ext cx="6492799" cy="1950094"/>
+            <a:off x="5714192" y="1938703"/>
+            <a:ext cx="6440933" cy="1885151"/>
           </a:xfrm>
           <a:prstGeom prst="rect">
             <a:avLst/>

--- a/Disaster_Tweets_Presentation.pptx
+++ b/Disaster_Tweets_Presentation.pptx
@@ -19472,7 +19472,7 @@
       </p:pic>
       <p:pic>
         <p:nvPicPr>
-          <p:cNvPr id="8" name="Picture 7"/>
+          <p:cNvPr id="9" name="Picture 8"/>
           <p:cNvPicPr>
             <a:picLocks noChangeAspect="1"/>
           </p:cNvPicPr>
@@ -19486,8 +19486,8 @@
         </p:blipFill>
         <p:spPr>
           <a:xfrm>
-            <a:off x="5714192" y="1938703"/>
-            <a:ext cx="6440933" cy="1885151"/>
+            <a:off x="5676092" y="1904999"/>
+            <a:ext cx="6515907" cy="1923853"/>
           </a:xfrm>
           <a:prstGeom prst="rect">
             <a:avLst/>

--- a/Disaster_Tweets_Presentation.pptx
+++ b/Disaster_Tweets_Presentation.pptx
@@ -20460,19 +20460,27 @@
           </a:bodyPr>
           <a:lstStyle/>
           <a:p>
-            <a:pPr marL="342900" lvl="0" indent="-342900" algn="l" rtl="0">
-              <a:spcBef>
-                <a:spcPts val="0"/>
-              </a:spcBef>
-              <a:spcAft>
-                <a:spcPts val="0"/>
-              </a:spcAft>
+            <a:pPr marL="342900" lvl="0">
+              <a:spcBef>
+                <a:spcPts val="0"/>
+              </a:spcBef>
               <a:buSzPts val="2200"/>
-              <a:buChar char="🠶"/>
             </a:pPr>
             <a:r>
               <a:rPr lang="en-US" sz="3200" dirty="0" smtClean="0"/>
-              <a:t>Naïve Bayes was our most successful model with a 77.41% accuracy</a:t>
+              <a:t>Naïve Bayes was our most successful model with </a:t>
+            </a:r>
+            <a:r>
+              <a:rPr lang="en-US" sz="3200" smtClean="0"/>
+              <a:t>a </a:t>
+            </a:r>
+            <a:r>
+              <a:rPr lang="en-US" sz="3200" smtClean="0"/>
+              <a:t>80.11% </a:t>
+            </a:r>
+            <a:r>
+              <a:rPr lang="en-US" sz="3200" dirty="0" smtClean="0"/>
+              <a:t>accuracy</a:t>
             </a:r>
           </a:p>
           <a:p>

--- a/Disaster_Tweets_Presentation.pptx
+++ b/Disaster_Tweets_Presentation.pptx
@@ -5,7 +5,7 @@
     <p:sldMasterId id="2147483648" r:id="rId1"/>
   </p:sldMasterIdLst>
   <p:notesMasterIdLst>
-    <p:notesMasterId r:id="rId16"/>
+    <p:notesMasterId r:id="rId15"/>
   </p:notesMasterIdLst>
   <p:sldIdLst>
     <p:sldId id="256" r:id="rId2"/>
@@ -20,18 +20,17 @@
     <p:sldId id="267" r:id="rId11"/>
     <p:sldId id="268" r:id="rId12"/>
     <p:sldId id="269" r:id="rId13"/>
-    <p:sldId id="270" r:id="rId14"/>
-    <p:sldId id="263" r:id="rId15"/>
+    <p:sldId id="263" r:id="rId14"/>
   </p:sldIdLst>
   <p:sldSz cx="12192000" cy="6858000"/>
   <p:notesSz cx="6858000" cy="9144000"/>
   <p:embeddedFontLst>
     <p:embeddedFont>
       <p:font typeface="Century Gothic" panose="020B0502020202020204" pitchFamily="34" charset="0"/>
-      <p:regular r:id="rId17"/>
-      <p:bold r:id="rId18"/>
-      <p:italic r:id="rId19"/>
-      <p:boldItalic r:id="rId20"/>
+      <p:regular r:id="rId16"/>
+      <p:bold r:id="rId17"/>
+      <p:italic r:id="rId18"/>
+      <p:boldItalic r:id="rId19"/>
     </p:embeddedFont>
   </p:embeddedFontLst>
   <p:defaultTextStyle>
@@ -19546,74 +19545,6 @@
           <a:bodyPr/>
           <a:lstStyle/>
           <a:p>
-            <a:endParaRPr lang="en-US" b="1" dirty="0"/>
-          </a:p>
-        </p:txBody>
-      </p:sp>
-      <p:sp>
-        <p:nvSpPr>
-          <p:cNvPr id="3" name="Text Placeholder 2"/>
-          <p:cNvSpPr>
-            <a:spLocks noGrp="1"/>
-          </p:cNvSpPr>
-          <p:nvPr>
-            <p:ph type="body" idx="1"/>
-          </p:nvPr>
-        </p:nvSpPr>
-        <p:spPr/>
-        <p:txBody>
-          <a:bodyPr/>
-          <a:lstStyle/>
-          <a:p>
-            <a:endParaRPr lang="en-US"/>
-          </a:p>
-        </p:txBody>
-      </p:sp>
-    </p:spTree>
-    <p:extLst>
-      <p:ext uri="{BB962C8B-B14F-4D97-AF65-F5344CB8AC3E}">
-        <p14:creationId xmlns:p14="http://schemas.microsoft.com/office/powerpoint/2010/main" val="3970099078"/>
-      </p:ext>
-    </p:extLst>
-  </p:cSld>
-  <p:clrMapOvr>
-    <a:masterClrMapping/>
-  </p:clrMapOvr>
-</p:sld>
-</file>
-
-<file path=ppt/slides/slide14.xml><?xml version="1.0" encoding="utf-8"?>
-<p:sld xmlns:a="http://schemas.openxmlformats.org/drawingml/2006/main" xmlns:r="http://schemas.openxmlformats.org/officeDocument/2006/relationships" xmlns:p="http://schemas.openxmlformats.org/presentationml/2006/main">
-  <p:cSld>
-    <p:spTree>
-      <p:nvGrpSpPr>
-        <p:cNvPr id="1" name=""/>
-        <p:cNvGrpSpPr/>
-        <p:nvPr/>
-      </p:nvGrpSpPr>
-      <p:grpSpPr>
-        <a:xfrm>
-          <a:off x="0" y="0"/>
-          <a:ext cx="0" cy="0"/>
-          <a:chOff x="0" y="0"/>
-          <a:chExt cx="0" cy="0"/>
-        </a:xfrm>
-      </p:grpSpPr>
-      <p:sp>
-        <p:nvSpPr>
-          <p:cNvPr id="2" name="Title 1"/>
-          <p:cNvSpPr>
-            <a:spLocks noGrp="1"/>
-          </p:cNvSpPr>
-          <p:nvPr>
-            <p:ph type="title"/>
-          </p:nvPr>
-        </p:nvSpPr>
-        <p:spPr/>
-        <p:txBody>
-          <a:bodyPr/>
-          <a:lstStyle/>
-          <a:p>
             <a:r>
               <a:rPr lang="en-US" b="1" dirty="0" smtClean="0"/>
               <a:t>Questions?</a:t>
@@ -19812,7 +19743,19 @@
             </a:r>
             <a:r>
               <a:rPr lang="en-US" sz="2800" dirty="0" smtClean="0"/>
-              <a:t>Accurate classification of tweets as either discussing disasters or not. </a:t>
+              <a:t>Accurate classification of tweets as either </a:t>
+            </a:r>
+            <a:r>
+              <a:rPr lang="en-US" sz="2800" dirty="0" smtClean="0"/>
+              <a:t>a </a:t>
+            </a:r>
+            <a:r>
+              <a:rPr lang="en-US" sz="2800" smtClean="0"/>
+              <a:t>disaster tweet </a:t>
+            </a:r>
+            <a:r>
+              <a:rPr lang="en-US" sz="2800" dirty="0" smtClean="0"/>
+              <a:t>or not. </a:t>
             </a:r>
             <a:endParaRPr sz="2800" b="1" dirty="0"/>
           </a:p>
@@ -20468,14 +20411,10 @@
             </a:pPr>
             <a:r>
               <a:rPr lang="en-US" sz="3200" dirty="0" smtClean="0"/>
-              <a:t>Naïve Bayes was our most successful model with </a:t>
+              <a:t>Naïve Bayes was our most successful model with a </a:t>
             </a:r>
             <a:r>
-              <a:rPr lang="en-US" sz="3200" smtClean="0"/>
-              <a:t>a </a:t>
-            </a:r>
-            <a:r>
-              <a:rPr lang="en-US" sz="3200" smtClean="0"/>
+              <a:rPr lang="en-US" sz="3200" dirty="0" smtClean="0"/>
               <a:t>80.11% </a:t>
             </a:r>
             <a:r>
@@ -20744,7 +20683,15 @@
             <a:pPr lvl="1"/>
             <a:r>
               <a:rPr lang="en-US" sz="2000" dirty="0" smtClean="0"/>
-              <a:t>Probability estimates of zero break the model by turning all probabilities where the respective class and vector appear becomes zero</a:t>
+              <a:t>Probability estimates of zero break the model by turning all probabilities where the respective class and vector appear </a:t>
+            </a:r>
+            <a:r>
+              <a:rPr lang="en-US" sz="2000" dirty="0" smtClean="0"/>
+              <a:t>to be </a:t>
+            </a:r>
+            <a:r>
+              <a:rPr lang="en-US" sz="2000" dirty="0" smtClean="0"/>
+              <a:t>zero</a:t>
             </a:r>
           </a:p>
           <a:p>

--- a/Disaster_Tweets_Presentation.pptx
+++ b/Disaster_Tweets_Presentation.pptx
@@ -5,7 +5,7 @@
     <p:sldMasterId id="2147483648" r:id="rId1"/>
   </p:sldMasterIdLst>
   <p:notesMasterIdLst>
-    <p:notesMasterId r:id="rId15"/>
+    <p:notesMasterId r:id="rId16"/>
   </p:notesMasterIdLst>
   <p:sldIdLst>
     <p:sldId id="256" r:id="rId2"/>
@@ -20,17 +20,18 @@
     <p:sldId id="267" r:id="rId11"/>
     <p:sldId id="268" r:id="rId12"/>
     <p:sldId id="269" r:id="rId13"/>
-    <p:sldId id="263" r:id="rId14"/>
+    <p:sldId id="270" r:id="rId14"/>
+    <p:sldId id="263" r:id="rId15"/>
   </p:sldIdLst>
   <p:sldSz cx="12192000" cy="6858000"/>
   <p:notesSz cx="6858000" cy="9144000"/>
   <p:embeddedFontLst>
     <p:embeddedFont>
       <p:font typeface="Century Gothic" panose="020B0502020202020204" pitchFamily="34" charset="0"/>
-      <p:regular r:id="rId16"/>
-      <p:bold r:id="rId17"/>
-      <p:italic r:id="rId18"/>
-      <p:boldItalic r:id="rId19"/>
+      <p:regular r:id="rId17"/>
+      <p:bold r:id="rId18"/>
+      <p:italic r:id="rId19"/>
+      <p:boldItalic r:id="rId20"/>
     </p:embeddedFont>
   </p:embeddedFontLst>
   <p:defaultTextStyle>
@@ -267,7 +268,7 @@
       <p15:sldGuideLst xmlns:p15="http://schemas.microsoft.com/office/powerpoint/2012/main"/>
     </p:ext>
     <p:ext uri="http://customooxmlschemas.google.com/">
-      <go:slidesCustomData xmlns:go="http://customooxmlschemas.google.com/" xmlns:p15="http://schemas.microsoft.com/office/powerpoint/2012/main" xmlns:p14="http://schemas.microsoft.com/office/powerpoint/2010/main" xmlns:com="http://schemas.openxmlformats.org/drawingml/2006/compatibility" xmlns:pvml="urn:schemas-microsoft-com:office:powerpoint" xmlns:v="urn:schemas-microsoft-com:vml" xmlns:o="urn:schemas-microsoft-com:office:office" xmlns:dgm="http://schemas.openxmlformats.org/drawingml/2006/diagram" xmlns:c="http://schemas.openxmlformats.org/drawingml/2006/chart" xmlns:mv="urn:schemas-microsoft-com:mac:vml" xmlns:mc="http://schemas.openxmlformats.org/markup-compatibility/2006" xmlns="" r:id="rId21" roundtripDataSignature="AMtx7mhfMKx4VC3dTc4bYI6Rs20dTo4n9A=="/>
+      <go:slidesCustomData xmlns="" xmlns:mc="http://schemas.openxmlformats.org/markup-compatibility/2006" xmlns:mv="urn:schemas-microsoft-com:mac:vml" xmlns:c="http://schemas.openxmlformats.org/drawingml/2006/chart" xmlns:dgm="http://schemas.openxmlformats.org/drawingml/2006/diagram" xmlns:o="urn:schemas-microsoft-com:office:office" xmlns:v="urn:schemas-microsoft-com:vml" xmlns:pvml="urn:schemas-microsoft-com:office:powerpoint" xmlns:com="http://schemas.openxmlformats.org/drawingml/2006/compatibility" xmlns:p14="http://schemas.microsoft.com/office/powerpoint/2010/main" xmlns:p15="http://schemas.microsoft.com/office/powerpoint/2012/main" xmlns:go="http://customooxmlschemas.google.com/" r:id="rId21" roundtripDataSignature="AMtx7mhfMKx4VC3dTc4bYI6Rs20dTo4n9A=="/>
     </p:ext>
   </p:extLst>
 </p:presentation>
@@ -19532,6 +19533,118 @@
       </p:grpSpPr>
       <p:sp>
         <p:nvSpPr>
+          <p:cNvPr id="5" name="Title 4"/>
+          <p:cNvSpPr>
+            <a:spLocks noGrp="1"/>
+          </p:cNvSpPr>
+          <p:nvPr>
+            <p:ph type="title"/>
+          </p:nvPr>
+        </p:nvSpPr>
+        <p:spPr/>
+        <p:txBody>
+          <a:bodyPr/>
+          <a:lstStyle/>
+          <a:p>
+            <a:r>
+              <a:rPr lang="en-US" b="1" dirty="0" smtClean="0"/>
+              <a:t>Future Steps</a:t>
+            </a:r>
+            <a:endParaRPr lang="en-US" b="1" dirty="0"/>
+          </a:p>
+        </p:txBody>
+      </p:sp>
+      <p:sp>
+        <p:nvSpPr>
+          <p:cNvPr id="6" name="Text Placeholder 5"/>
+          <p:cNvSpPr>
+            <a:spLocks noGrp="1"/>
+          </p:cNvSpPr>
+          <p:nvPr>
+            <p:ph type="body" idx="1"/>
+          </p:nvPr>
+        </p:nvSpPr>
+        <p:spPr/>
+        <p:txBody>
+          <a:bodyPr>
+            <a:normAutofit/>
+          </a:bodyPr>
+          <a:lstStyle/>
+          <a:p>
+            <a:r>
+              <a:rPr lang="en-US" sz="2800" dirty="0" smtClean="0"/>
+              <a:t>Adding a user experience to the website</a:t>
+            </a:r>
+          </a:p>
+          <a:p>
+            <a:pPr lvl="1"/>
+            <a:r>
+              <a:rPr lang="en-US" sz="2400" dirty="0" smtClean="0"/>
+              <a:t>Allow tweet input for the algorithm to classify as disaster or not.</a:t>
+            </a:r>
+          </a:p>
+          <a:p>
+            <a:r>
+              <a:rPr lang="en-US" sz="2800" dirty="0" smtClean="0"/>
+              <a:t>Tweaking the model to further improve accuracy</a:t>
+            </a:r>
+          </a:p>
+          <a:p>
+            <a:pPr lvl="1"/>
+            <a:r>
+              <a:rPr lang="en-US" sz="2400" dirty="0" smtClean="0"/>
+              <a:t>Further data cleaning</a:t>
+            </a:r>
+          </a:p>
+          <a:p>
+            <a:pPr lvl="1"/>
+            <a:r>
+              <a:rPr lang="en-US" sz="2400" dirty="0" smtClean="0"/>
+              <a:t>Testing of other statistical models</a:t>
+            </a:r>
+            <a:endParaRPr lang="en-US" sz="2400" dirty="0"/>
+          </a:p>
+        </p:txBody>
+      </p:sp>
+    </p:spTree>
+    <p:extLst>
+      <p:ext uri="{BB962C8B-B14F-4D97-AF65-F5344CB8AC3E}">
+        <p14:creationId xmlns:p14="http://schemas.microsoft.com/office/powerpoint/2010/main" val="4095341590"/>
+      </p:ext>
+    </p:extLst>
+  </p:cSld>
+  <p:clrMapOvr>
+    <a:masterClrMapping/>
+  </p:clrMapOvr>
+  <p:timing>
+    <p:tnLst>
+      <p:par>
+        <p:cTn id="1" dur="indefinite" restart="never" nodeType="tmRoot"/>
+      </p:par>
+    </p:tnLst>
+  </p:timing>
+</p:sld>
+</file>
+
+<file path=ppt/slides/slide14.xml><?xml version="1.0" encoding="utf-8"?>
+<p:sld xmlns:a="http://schemas.openxmlformats.org/drawingml/2006/main" xmlns:r="http://schemas.openxmlformats.org/officeDocument/2006/relationships" xmlns:p="http://schemas.openxmlformats.org/presentationml/2006/main">
+  <p:cSld>
+    <p:spTree>
+      <p:nvGrpSpPr>
+        <p:cNvPr id="1" name=""/>
+        <p:cNvGrpSpPr/>
+        <p:nvPr/>
+      </p:nvGrpSpPr>
+      <p:grpSpPr>
+        <a:xfrm>
+          <a:off x="0" y="0"/>
+          <a:ext cx="0" cy="0"/>
+          <a:chOff x="0" y="0"/>
+          <a:chExt cx="0" cy="0"/>
+        </a:xfrm>
+      </p:grpSpPr>
+      <p:sp>
+        <p:nvSpPr>
           <p:cNvPr id="2" name="Title 1"/>
           <p:cNvSpPr>
             <a:spLocks noGrp="1"/>
@@ -19743,11 +19856,7 @@
             </a:r>
             <a:r>
               <a:rPr lang="en-US" sz="2800" dirty="0" smtClean="0"/>
-              <a:t>Accurate classification of tweets as either </a:t>
-            </a:r>
-            <a:r>
-              <a:rPr lang="en-US" sz="2800" dirty="0" smtClean="0"/>
-              <a:t>a </a:t>
+              <a:t>Accurate classification of tweets as either a </a:t>
             </a:r>
             <a:r>
               <a:rPr lang="en-US" sz="2800" smtClean="0"/>
@@ -20411,15 +20520,7 @@
             </a:pPr>
             <a:r>
               <a:rPr lang="en-US" sz="3200" dirty="0" smtClean="0"/>
-              <a:t>Naïve Bayes was our most successful model with a </a:t>
-            </a:r>
-            <a:r>
-              <a:rPr lang="en-US" sz="3200" dirty="0" smtClean="0"/>
-              <a:t>80.11% </a:t>
-            </a:r>
-            <a:r>
-              <a:rPr lang="en-US" sz="3200" dirty="0" smtClean="0"/>
-              <a:t>accuracy</a:t>
+              <a:t>Naïve Bayes was our most successful model with a 80.11% accuracy</a:t>
             </a:r>
           </a:p>
           <a:p>
@@ -20683,15 +20784,7 @@
             <a:pPr lvl="1"/>
             <a:r>
               <a:rPr lang="en-US" sz="2000" dirty="0" smtClean="0"/>
-              <a:t>Probability estimates of zero break the model by turning all probabilities where the respective class and vector appear </a:t>
-            </a:r>
-            <a:r>
-              <a:rPr lang="en-US" sz="2000" dirty="0" smtClean="0"/>
-              <a:t>to be </a:t>
-            </a:r>
-            <a:r>
-              <a:rPr lang="en-US" sz="2000" dirty="0" smtClean="0"/>
-              <a:t>zero</a:t>
+              <a:t>Probability estimates of zero break the model by turning all probabilities where the respective class and vector appear to be zero</a:t>
             </a:r>
           </a:p>
           <a:p>
